--- a/pyWorks/자료/python_ppt/Python 9장. 데이터베이스 연동.pptx
+++ b/pyWorks/자료/python_ppt/Python 9장. 데이터베이스 연동.pptx
@@ -239,7 +239,7 @@
           <a:p>
             <a:fld id="{7665CDAC-D627-4E87-877A-1B781DD4CADC}" type="datetimeFigureOut">
               <a:rPr lang="ko-KR" altLang="en-US" smtClean="0"/>
-              <a:t>2023-04-29</a:t>
+              <a:t>2023-05-02</a:t>
             </a:fld>
             <a:endParaRPr lang="ko-KR" altLang="en-US"/>
           </a:p>
@@ -651,7 +651,7 @@
           <a:p>
             <a:fld id="{C25BCFD5-C4DF-4EBC-B718-C69ED2FBDE6F}" type="datetime1">
               <a:rPr lang="ko-KR" altLang="en-US" smtClean="0"/>
-              <a:t>2023-04-29</a:t>
+              <a:t>2023-05-02</a:t>
             </a:fld>
             <a:endParaRPr lang="ko-KR" altLang="en-US"/>
           </a:p>
@@ -1102,7 +1102,7 @@
           <a:p>
             <a:fld id="{AB448CD7-D367-43D5-B461-ACE552E75063}" type="datetime1">
               <a:rPr lang="ko-KR" altLang="en-US" smtClean="0"/>
-              <a:t>2023-04-29</a:t>
+              <a:t>2023-05-02</a:t>
             </a:fld>
             <a:endParaRPr lang="ko-KR" altLang="en-US"/>
           </a:p>
@@ -1280,7 +1280,7 @@
           <a:p>
             <a:fld id="{B6E49E79-7361-4780-8BEF-7EDE3708298A}" type="datetime1">
               <a:rPr lang="ko-KR" altLang="en-US" smtClean="0"/>
-              <a:t>2023-04-29</a:t>
+              <a:t>2023-05-02</a:t>
             </a:fld>
             <a:endParaRPr lang="ko-KR" altLang="en-US"/>
           </a:p>
@@ -1452,7 +1452,7 @@
           <a:p>
             <a:fld id="{A4D42E3C-B70B-437C-85CF-1286301B9CBA}" type="datetime1">
               <a:rPr lang="ko-KR" altLang="en-US" smtClean="0"/>
-              <a:t>2023-04-29</a:t>
+              <a:t>2023-05-02</a:t>
             </a:fld>
             <a:endParaRPr lang="ko-KR" altLang="en-US"/>
           </a:p>
@@ -1704,7 +1704,7 @@
           <a:p>
             <a:fld id="{B3369A20-5B3D-4D98-A822-26B93D177A40}" type="datetime1">
               <a:rPr lang="ko-KR" altLang="en-US" smtClean="0"/>
-              <a:t>2023-04-29</a:t>
+              <a:t>2023-05-02</a:t>
             </a:fld>
             <a:endParaRPr lang="ko-KR" altLang="en-US"/>
           </a:p>
@@ -1989,7 +1989,7 @@
           <a:p>
             <a:fld id="{685CD4CE-9E43-4F70-A9D8-A2130CA7D92A}" type="datetime1">
               <a:rPr lang="ko-KR" altLang="en-US" smtClean="0"/>
-              <a:t>2023-04-29</a:t>
+              <a:t>2023-05-02</a:t>
             </a:fld>
             <a:endParaRPr lang="ko-KR" altLang="en-US"/>
           </a:p>
@@ -2415,7 +2415,7 @@
           <a:p>
             <a:fld id="{F752BD92-DA3E-4A0B-90C9-7DE5E15B6E96}" type="datetime1">
               <a:rPr lang="ko-KR" altLang="en-US" smtClean="0"/>
-              <a:t>2023-04-29</a:t>
+              <a:t>2023-05-02</a:t>
             </a:fld>
             <a:endParaRPr lang="ko-KR" altLang="en-US"/>
           </a:p>
@@ -2539,7 +2539,7 @@
           <a:p>
             <a:fld id="{8EA2B83A-F366-424E-B742-340ACF856BB5}" type="datetime1">
               <a:rPr lang="ko-KR" altLang="en-US" smtClean="0"/>
-              <a:t>2023-04-29</a:t>
+              <a:t>2023-05-02</a:t>
             </a:fld>
             <a:endParaRPr lang="ko-KR" altLang="en-US"/>
           </a:p>
@@ -2634,7 +2634,7 @@
           <a:p>
             <a:fld id="{9A49D68B-5DBD-48E9-A8D4-FCBC4B3DD9C6}" type="datetime1">
               <a:rPr lang="ko-KR" altLang="en-US" smtClean="0"/>
-              <a:t>2023-04-29</a:t>
+              <a:t>2023-05-02</a:t>
             </a:fld>
             <a:endParaRPr lang="ko-KR" altLang="en-US"/>
           </a:p>
@@ -2909,7 +2909,7 @@
           <a:p>
             <a:fld id="{4CAB534F-7D16-467B-9320-91F98915D181}" type="datetime1">
               <a:rPr lang="ko-KR" altLang="en-US" smtClean="0"/>
-              <a:t>2023-04-29</a:t>
+              <a:t>2023-05-02</a:t>
             </a:fld>
             <a:endParaRPr lang="ko-KR" altLang="en-US"/>
           </a:p>
@@ -3161,7 +3161,7 @@
           <a:p>
             <a:fld id="{A390A91F-2F8D-4486-A69D-D680F95444B0}" type="datetime1">
               <a:rPr lang="ko-KR" altLang="en-US" smtClean="0"/>
-              <a:t>2023-04-29</a:t>
+              <a:t>2023-05-02</a:t>
             </a:fld>
             <a:endParaRPr lang="ko-KR" altLang="en-US"/>
           </a:p>
@@ -3340,7 +3340,7 @@
           <a:p>
             <a:fld id="{2238BBEA-E8DD-414A-BF68-FC2AFA7CFF2D}" type="datetime1">
               <a:rPr lang="ko-KR" altLang="en-US" smtClean="0"/>
-              <a:t>2023-04-29</a:t>
+              <a:t>2023-05-02</a:t>
             </a:fld>
             <a:endParaRPr lang="ko-KR" altLang="en-US"/>
           </a:p>
@@ -9825,7 +9825,7 @@
         </p:nvSpPr>
         <p:spPr>
           <a:xfrm>
-            <a:off x="1280592" y="1700808"/>
+            <a:off x="1280592" y="1907540"/>
             <a:ext cx="5256584" cy="369332"/>
           </a:xfrm>
           <a:prstGeom prst="rect">
@@ -9841,19 +9841,15 @@
           <a:p>
             <a:r>
               <a:rPr lang="en-US" altLang="ko-KR" dirty="0" smtClean="0"/>
-              <a:t> python </a:t>
-            </a:r>
-            <a:r>
-              <a:rPr lang="en-US" altLang="ko-KR" dirty="0"/>
-              <a:t>-m pip install </a:t>
-            </a:r>
-            <a:r>
-              <a:rPr lang="en-US" altLang="ko-KR" dirty="0" err="1"/>
-              <a:t>cx_Oracle</a:t>
-            </a:r>
-            <a:r>
-              <a:rPr lang="en-US" altLang="ko-KR" dirty="0"/>
-              <a:t> --upgrade</a:t>
+              <a:t> </a:t>
+            </a:r>
+            <a:r>
+              <a:rPr lang="en-US" altLang="ko-KR" dirty="0" smtClean="0"/>
+              <a:t>pip install </a:t>
+            </a:r>
+            <a:r>
+              <a:rPr lang="en-US" altLang="ko-KR" dirty="0" err="1" smtClean="0"/>
+              <a:t>oracledb</a:t>
             </a:r>
             <a:endParaRPr lang="ko-KR" altLang="en-US" dirty="0"/>
           </a:p>
@@ -9867,7 +9863,7 @@
         </p:nvSpPr>
         <p:spPr>
           <a:xfrm>
-            <a:off x="1064568" y="1196752"/>
+            <a:off x="1064568" y="1403484"/>
             <a:ext cx="4320480" cy="369332"/>
           </a:xfrm>
           <a:prstGeom prst="rect">
@@ -9887,46 +9883,20 @@
             </a:r>
             <a:r>
               <a:rPr lang="en-US" altLang="ko-KR" dirty="0" err="1" smtClean="0"/>
-              <a:t>cx_Oracle</a:t>
+              <a:t>oracledb</a:t>
             </a:r>
             <a:r>
               <a:rPr lang="ko-KR" altLang="en-US" dirty="0" smtClean="0"/>
-              <a:t> 라이브러리 설치</a:t>
+              <a:t> </a:t>
+            </a:r>
+            <a:r>
+              <a:rPr lang="ko-KR" altLang="en-US" dirty="0" smtClean="0"/>
+              <a:t>라이브러리 설치</a:t>
             </a:r>
             <a:endParaRPr lang="ko-KR" altLang="en-US" dirty="0"/>
           </a:p>
         </p:txBody>
       </p:sp>
-      <p:pic>
-        <p:nvPicPr>
-          <p:cNvPr id="6" name="그림 5"/>
-          <p:cNvPicPr>
-            <a:picLocks noChangeAspect="1"/>
-          </p:cNvPicPr>
-          <p:nvPr/>
-        </p:nvPicPr>
-        <p:blipFill>
-          <a:blip r:embed="rId2">
-            <a:extLst>
-              <a:ext uri="{28A0092B-C50C-407E-A947-70E740481C1C}">
-                <a14:useLocalDpi xmlns:a14="http://schemas.microsoft.com/office/drawing/2010/main" val="0"/>
-              </a:ext>
-            </a:extLst>
-          </a:blip>
-          <a:stretch>
-            <a:fillRect/>
-          </a:stretch>
-        </p:blipFill>
-        <p:spPr>
-          <a:xfrm>
-            <a:off x="1551998" y="2806842"/>
-            <a:ext cx="5417226" cy="3842716"/>
-          </a:xfrm>
-          <a:prstGeom prst="rect">
-            <a:avLst/>
-          </a:prstGeom>
-        </p:spPr>
-      </p:pic>
       <p:sp>
         <p:nvSpPr>
           <p:cNvPr id="10" name="TextBox 9"/>
@@ -9935,7 +9905,7 @@
         </p:nvSpPr>
         <p:spPr>
           <a:xfrm>
-            <a:off x="1064567" y="2293494"/>
+            <a:off x="1064567" y="2636912"/>
             <a:ext cx="6912769" cy="369332"/>
           </a:xfrm>
           <a:prstGeom prst="rect">
@@ -9987,7 +9957,7 @@
             </a:r>
             <a:r>
               <a:rPr lang="en-US" altLang="ko-KR" dirty="0" err="1" smtClean="0"/>
-              <a:t>cx_Oracle</a:t>
+              <a:t>oracledb</a:t>
             </a:r>
             <a:r>
               <a:rPr lang="en-US" altLang="ko-KR" dirty="0" smtClean="0"/>
@@ -10467,7 +10437,7 @@
       </p:grpSpPr>
       <p:pic>
         <p:nvPicPr>
-          <p:cNvPr id="5" name="그림 4"/>
+          <p:cNvPr id="3" name="그림 2"/>
           <p:cNvPicPr>
             <a:picLocks noChangeAspect="1"/>
           </p:cNvPicPr>
@@ -10487,8 +10457,8 @@
         </p:blipFill>
         <p:spPr>
           <a:xfrm>
-            <a:off x="992560" y="1484784"/>
-            <a:ext cx="6904318" cy="4275190"/>
+            <a:off x="1352600" y="1412776"/>
+            <a:ext cx="6294665" cy="4663844"/>
           </a:xfrm>
           <a:prstGeom prst="rect">
             <a:avLst/>
@@ -10601,7 +10571,7 @@
         </p:nvSpPr>
         <p:spPr>
           <a:xfrm>
-            <a:off x="7041232" y="1844824"/>
+            <a:off x="6899818" y="1628800"/>
             <a:ext cx="2232248" cy="369332"/>
           </a:xfrm>
           <a:prstGeom prst="rect">
